--- a/slides/00.00-introduction.pptx
+++ b/slides/00.00-introduction.pptx
@@ -895,7 +895,7 @@
                 <a:tabLst/>
                 <a:defRPr/>
               </a:pPr>
-              <a:t>10/17/2017 11:15 AM</a:t>
+              <a:t>10/17/2017 11:21 AM</a:t>
             </a:fld>
             <a:endParaRPr kumimoji="0" lang="en-US" sz="1200" b="0" i="0" u="none" strike="noStrike" kern="1200" cap="none" spc="0" normalizeH="0" baseline="0" noProof="0">
               <a:ln>
@@ -1231,7 +1231,7 @@
                 <a:tabLst/>
                 <a:defRPr/>
               </a:pPr>
-              <a:t>10/17/2017 11:15 AM</a:t>
+              <a:t>10/17/2017 11:21 AM</a:t>
             </a:fld>
             <a:endParaRPr kumimoji="0" lang="en-US" sz="1200" b="0" i="0" u="none" strike="noStrike" kern="1200" cap="none" spc="0" normalizeH="0" baseline="0" noProof="0">
               <a:ln>
@@ -1567,7 +1567,7 @@
                 <a:tabLst/>
                 <a:defRPr/>
               </a:pPr>
-              <a:t>10/17/2017 11:15 AM</a:t>
+              <a:t>10/17/2017 11:21 AM</a:t>
             </a:fld>
             <a:endParaRPr kumimoji="0" lang="en-US" sz="1200" b="0" i="0" u="none" strike="noStrike" kern="1200" cap="none" spc="0" normalizeH="0" baseline="0" noProof="0">
               <a:ln>
@@ -1903,7 +1903,7 @@
                 <a:tabLst/>
                 <a:defRPr/>
               </a:pPr>
-              <a:t>10/17/2017 11:15 AM</a:t>
+              <a:t>10/17/2017 11:21 AM</a:t>
             </a:fld>
             <a:endParaRPr kumimoji="0" lang="en-US" sz="1200" b="0" i="0" u="none" strike="noStrike" kern="1200" cap="none" spc="0" normalizeH="0" baseline="0" noProof="0">
               <a:ln>
@@ -17163,10 +17163,16 @@
               </a:spcBef>
             </a:pPr>
             <a:r>
+              <a:rPr lang="en-US" sz="1400">
+                <a:cs typeface="Segoe UI Semibold" panose="020B0702040204020203" pitchFamily="34" charset="0"/>
+              </a:rPr>
+              <a:t>Introduction: Future </a:t>
+            </a:r>
+            <a:r>
               <a:rPr lang="en-US" sz="1400" dirty="0">
                 <a:cs typeface="Segoe UI Semibold" panose="020B0702040204020203" pitchFamily="34" charset="0"/>
               </a:rPr>
-              <a:t>Introduction: What are Intelligent Apps?</a:t>
+              <a:t>of App Development</a:t>
             </a:r>
           </a:p>
           <a:p>
@@ -18272,13 +18278,13 @@
   <p:clrMapOvr>
     <a:masterClrMapping/>
   </p:clrMapOvr>
-  <mc:AlternateContent xmlns:mc="http://schemas.openxmlformats.org/markup-compatibility/2006">
-    <mc:Choice xmlns:p14="http://schemas.microsoft.com/office/powerpoint/2010/main" Requires="p14">
+  <mc:AlternateContent xmlns:mc="http://schemas.openxmlformats.org/markup-compatibility/2006" xmlns:p14="http://schemas.microsoft.com/office/powerpoint/2010/main">
+    <mc:Choice Requires="p14">
       <p:transition spd="med" p14:dur="700">
         <p:fade/>
       </p:transition>
     </mc:Choice>
-    <mc:Fallback>
+    <mc:Fallback xmlns="">
       <p:transition spd="med">
         <p:fade/>
       </p:transition>

--- a/slides/00.00-introduction.pptx
+++ b/slides/00.00-introduction.pptx
@@ -895,7 +895,7 @@
                 <a:tabLst/>
                 <a:defRPr/>
               </a:pPr>
-              <a:t>10/17/2017 11:21 AM</a:t>
+              <a:t>10/17/2017 1:48 PM</a:t>
             </a:fld>
             <a:endParaRPr kumimoji="0" lang="en-US" sz="1200" b="0" i="0" u="none" strike="noStrike" kern="1200" cap="none" spc="0" normalizeH="0" baseline="0" noProof="0">
               <a:ln>
@@ -1231,7 +1231,7 @@
                 <a:tabLst/>
                 <a:defRPr/>
               </a:pPr>
-              <a:t>10/17/2017 11:21 AM</a:t>
+              <a:t>10/17/2017 1:50 PM</a:t>
             </a:fld>
             <a:endParaRPr kumimoji="0" lang="en-US" sz="1200" b="0" i="0" u="none" strike="noStrike" kern="1200" cap="none" spc="0" normalizeH="0" baseline="0" noProof="0">
               <a:ln>
@@ -1567,7 +1567,7 @@
                 <a:tabLst/>
                 <a:defRPr/>
               </a:pPr>
-              <a:t>10/17/2017 11:21 AM</a:t>
+              <a:t>10/17/2017 1:48 PM</a:t>
             </a:fld>
             <a:endParaRPr kumimoji="0" lang="en-US" sz="1200" b="0" i="0" u="none" strike="noStrike" kern="1200" cap="none" spc="0" normalizeH="0" baseline="0" noProof="0">
               <a:ln>
@@ -1903,7 +1903,7 @@
                 <a:tabLst/>
                 <a:defRPr/>
               </a:pPr>
-              <a:t>10/17/2017 11:21 AM</a:t>
+              <a:t>10/17/2017 1:48 PM</a:t>
             </a:fld>
             <a:endParaRPr kumimoji="0" lang="en-US" sz="1200" b="0" i="0" u="none" strike="noStrike" kern="1200" cap="none" spc="0" normalizeH="0" baseline="0" noProof="0">
               <a:ln>
@@ -16304,30 +16304,6 @@
           </a:p>
         </p:txBody>
       </p:sp>
-      <p:pic>
-        <p:nvPicPr>
-          <p:cNvPr id="5" name="Picture 4"/>
-          <p:cNvPicPr>
-            <a:picLocks noChangeAspect="1"/>
-          </p:cNvPicPr>
-          <p:nvPr userDrawn="1"/>
-        </p:nvPicPr>
-        <p:blipFill>
-          <a:blip r:embed="rId20"/>
-          <a:stretch>
-            <a:fillRect/>
-          </a:stretch>
-        </p:blipFill>
-        <p:spPr>
-          <a:xfrm rot="5400000">
-            <a:off x="6890309" y="2259293"/>
-            <a:ext cx="5143967" cy="624914"/>
-          </a:xfrm>
-          <a:prstGeom prst="rect">
-            <a:avLst/>
-          </a:prstGeom>
-        </p:spPr>
-      </p:pic>
     </p:spTree>
     <p:extLst>
       <p:ext uri="{BB962C8B-B14F-4D97-AF65-F5344CB8AC3E}">
@@ -17163,16 +17139,10 @@
               </a:spcBef>
             </a:pPr>
             <a:r>
-              <a:rPr lang="en-US" sz="1400">
-                <a:cs typeface="Segoe UI Semibold" panose="020B0702040204020203" pitchFamily="34" charset="0"/>
-              </a:rPr>
-              <a:t>Introduction: Future </a:t>
-            </a:r>
-            <a:r>
               <a:rPr lang="en-US" sz="1400" dirty="0">
                 <a:cs typeface="Segoe UI Semibold" panose="020B0702040204020203" pitchFamily="34" charset="0"/>
               </a:rPr>
-              <a:t>of App Development</a:t>
+              <a:t>Intro Intelligent Apps: The times are changing</a:t>
             </a:r>
           </a:p>
           <a:p>
@@ -17198,7 +17168,19 @@
               <a:rPr lang="en-US" sz="1400" dirty="0">
                 <a:cs typeface="Segoe UI Semibold" panose="020B0702040204020203" pitchFamily="34" charset="0"/>
               </a:rPr>
-              <a:t>Microservices in Practice</a:t>
+              <a:t>Microservices, PaaS and </a:t>
+            </a:r>
+            <a:r>
+              <a:rPr lang="en-US" sz="1400" dirty="0" err="1">
+                <a:cs typeface="Segoe UI Semibold" panose="020B0702040204020203" pitchFamily="34" charset="0"/>
+              </a:rPr>
+              <a:t>Serverless</a:t>
+            </a:r>
+            <a:r>
+              <a:rPr lang="en-US" sz="1400" dirty="0">
+                <a:cs typeface="Segoe UI Semibold" panose="020B0702040204020203" pitchFamily="34" charset="0"/>
+              </a:rPr>
+              <a:t> Computing</a:t>
             </a:r>
           </a:p>
           <a:p>
@@ -17263,7 +17245,7 @@
               <a:rPr lang="en-US" sz="1400" dirty="0">
                 <a:cs typeface="Segoe UI Semibold" panose="020B0702040204020203" pitchFamily="34" charset="0"/>
               </a:rPr>
-              <a:t>Adding Intelligence with Cognitive Services</a:t>
+              <a:t>Machine Learning and Cognitive Services</a:t>
             </a:r>
           </a:p>
           <a:p>
@@ -17276,7 +17258,7 @@
               <a:rPr lang="en-US" sz="1400" dirty="0">
                 <a:cs typeface="Segoe UI Semibold" panose="020B0702040204020203" pitchFamily="34" charset="0"/>
               </a:rPr>
-              <a:t>Smart Bots</a:t>
+              <a:t>New UI Paradigms</a:t>
             </a:r>
           </a:p>
         </p:txBody>
@@ -19740,7 +19722,7 @@
         </p:nvSpPr>
         <p:spPr>
           <a:xfrm>
-            <a:off x="-104751" y="2593878"/>
+            <a:off x="-108520" y="3147814"/>
             <a:ext cx="8738902" cy="1601562"/>
           </a:xfrm>
         </p:spPr>
@@ -19770,7 +19752,7 @@
         </p:nvGrpSpPr>
         <p:grpSpPr>
           <a:xfrm>
-            <a:off x="2452057" y="1045587"/>
+            <a:off x="467544" y="987574"/>
             <a:ext cx="3625470" cy="1340945"/>
             <a:chOff x="2667997" y="1630286"/>
             <a:chExt cx="4931590" cy="1824037"/>
@@ -19817,7 +19799,7 @@
           <p:spPr bwMode="auto">
             <a:xfrm>
               <a:off x="2667997" y="1630286"/>
-              <a:ext cx="1811821" cy="1824037"/>
+              <a:ext cx="1811820" cy="1824037"/>
             </a:xfrm>
             <a:prstGeom prst="rect">
               <a:avLst/>
@@ -19896,6 +19878,53 @@
           </p:txBody>
         </p:sp>
       </p:grpSp>
+      <p:pic>
+        <p:nvPicPr>
+          <p:cNvPr id="1026" name="Picture 2" descr="https://www.visualstudio.com/wp-content/uploads/2017/06/Visual-Studio-Team-Services.png">
+            <a:extLst>
+              <a:ext uri="{FF2B5EF4-FFF2-40B4-BE49-F238E27FC236}">
+                <a16:creationId xmlns:a16="http://schemas.microsoft.com/office/drawing/2014/main" id="{4D46D358-EC38-4939-9CDE-6878D71DB848}"/>
+              </a:ext>
+            </a:extLst>
+          </p:cNvPr>
+          <p:cNvPicPr>
+            <a:picLocks noChangeAspect="1" noChangeArrowheads="1"/>
+          </p:cNvPicPr>
+          <p:nvPr/>
+        </p:nvPicPr>
+        <p:blipFill>
+          <a:blip r:embed="rId5" cstate="print">
+            <a:extLst>
+              <a:ext uri="{28A0092B-C50C-407E-A947-70E740481C1C}">
+                <a14:useLocalDpi xmlns:a14="http://schemas.microsoft.com/office/drawing/2010/main" val="0"/>
+              </a:ext>
+            </a:extLst>
+          </a:blip>
+          <a:srcRect/>
+          <a:stretch>
+            <a:fillRect/>
+          </a:stretch>
+        </p:blipFill>
+        <p:spPr bwMode="auto">
+          <a:xfrm>
+            <a:off x="4427984" y="483518"/>
+            <a:ext cx="4283968" cy="2238671"/>
+          </a:xfrm>
+          <a:prstGeom prst="rect">
+            <a:avLst/>
+          </a:prstGeom>
+          <a:noFill/>
+          <a:extLst>
+            <a:ext uri="{909E8E84-426E-40DD-AFC4-6F175D3DCCD1}">
+              <a14:hiddenFill xmlns:a14="http://schemas.microsoft.com/office/drawing/2010/main">
+                <a:solidFill>
+                  <a:srgbClr val="FFFFFF"/>
+                </a:solidFill>
+              </a14:hiddenFill>
+            </a:ext>
+          </a:extLst>
+        </p:spPr>
+      </p:pic>
     </p:spTree>
     <p:extLst>
       <p:ext uri="{BB962C8B-B14F-4D97-AF65-F5344CB8AC3E}">
